--- a/PPTs/756.pptx
+++ b/PPTs/756.pptx
@@ -24155,7 +24155,7 @@
           <a:p>
             <a:fld id="{CCB236BB-53DE-4462-8C4F-7698E6995948}" type="datetimeFigureOut">
               <a:rPr lang="en-IN" smtClean="0"/>
-              <a:t>27-01-2021</a:t>
+              <a:t>01-02-2021</a:t>
             </a:fld>
             <a:endParaRPr lang="en-IN" dirty="0"/>
           </a:p>
@@ -24355,7 +24355,7 @@
           <a:p>
             <a:fld id="{CCB236BB-53DE-4462-8C4F-7698E6995948}" type="datetimeFigureOut">
               <a:rPr lang="en-IN" smtClean="0"/>
-              <a:t>27-01-2021</a:t>
+              <a:t>01-02-2021</a:t>
             </a:fld>
             <a:endParaRPr lang="en-IN" dirty="0"/>
           </a:p>
@@ -24565,7 +24565,7 @@
           <a:p>
             <a:fld id="{CCB236BB-53DE-4462-8C4F-7698E6995948}" type="datetimeFigureOut">
               <a:rPr lang="en-IN" smtClean="0"/>
-              <a:t>27-01-2021</a:t>
+              <a:t>01-02-2021</a:t>
             </a:fld>
             <a:endParaRPr lang="en-IN" dirty="0"/>
           </a:p>
@@ -24765,7 +24765,7 @@
           <a:p>
             <a:fld id="{CCB236BB-53DE-4462-8C4F-7698E6995948}" type="datetimeFigureOut">
               <a:rPr lang="en-IN" smtClean="0"/>
-              <a:t>27-01-2021</a:t>
+              <a:t>01-02-2021</a:t>
             </a:fld>
             <a:endParaRPr lang="en-IN" dirty="0"/>
           </a:p>
@@ -25041,7 +25041,7 @@
           <a:p>
             <a:fld id="{CCB236BB-53DE-4462-8C4F-7698E6995948}" type="datetimeFigureOut">
               <a:rPr lang="en-IN" smtClean="0"/>
-              <a:t>27-01-2021</a:t>
+              <a:t>01-02-2021</a:t>
             </a:fld>
             <a:endParaRPr lang="en-IN" dirty="0"/>
           </a:p>
@@ -25309,7 +25309,7 @@
           <a:p>
             <a:fld id="{CCB236BB-53DE-4462-8C4F-7698E6995948}" type="datetimeFigureOut">
               <a:rPr lang="en-IN" smtClean="0"/>
-              <a:t>27-01-2021</a:t>
+              <a:t>01-02-2021</a:t>
             </a:fld>
             <a:endParaRPr lang="en-IN" dirty="0"/>
           </a:p>
@@ -25724,7 +25724,7 @@
           <a:p>
             <a:fld id="{CCB236BB-53DE-4462-8C4F-7698E6995948}" type="datetimeFigureOut">
               <a:rPr lang="en-IN" smtClean="0"/>
-              <a:t>27-01-2021</a:t>
+              <a:t>01-02-2021</a:t>
             </a:fld>
             <a:endParaRPr lang="en-IN" dirty="0"/>
           </a:p>
@@ -25866,7 +25866,7 @@
           <a:p>
             <a:fld id="{CCB236BB-53DE-4462-8C4F-7698E6995948}" type="datetimeFigureOut">
               <a:rPr lang="en-IN" smtClean="0"/>
-              <a:t>27-01-2021</a:t>
+              <a:t>01-02-2021</a:t>
             </a:fld>
             <a:endParaRPr lang="en-IN" dirty="0"/>
           </a:p>
@@ -25979,7 +25979,7 @@
           <a:p>
             <a:fld id="{CCB236BB-53DE-4462-8C4F-7698E6995948}" type="datetimeFigureOut">
               <a:rPr lang="en-IN" smtClean="0"/>
-              <a:t>27-01-2021</a:t>
+              <a:t>01-02-2021</a:t>
             </a:fld>
             <a:endParaRPr lang="en-IN" dirty="0"/>
           </a:p>
@@ -26292,7 +26292,7 @@
           <a:p>
             <a:fld id="{CCB236BB-53DE-4462-8C4F-7698E6995948}" type="datetimeFigureOut">
               <a:rPr lang="en-IN" smtClean="0"/>
-              <a:t>27-01-2021</a:t>
+              <a:t>01-02-2021</a:t>
             </a:fld>
             <a:endParaRPr lang="en-IN" dirty="0"/>
           </a:p>
@@ -26581,7 +26581,7 @@
           <a:p>
             <a:fld id="{CCB236BB-53DE-4462-8C4F-7698E6995948}" type="datetimeFigureOut">
               <a:rPr lang="en-IN" smtClean="0"/>
-              <a:t>27-01-2021</a:t>
+              <a:t>01-02-2021</a:t>
             </a:fld>
             <a:endParaRPr lang="en-IN" dirty="0"/>
           </a:p>
@@ -26827,7 +26827,7 @@
           <a:p>
             <a:fld id="{CCB236BB-53DE-4462-8C4F-7698E6995948}" type="datetimeFigureOut">
               <a:rPr lang="en-IN" smtClean="0"/>
-              <a:t>27-01-2021</a:t>
+              <a:t>01-02-2021</a:t>
             </a:fld>
             <a:endParaRPr lang="en-IN" dirty="0"/>
           </a:p>
@@ -27302,7 +27302,7 @@
           <p:cNvPr id="4" name="TextBox 3">
             <a:extLst>
               <a:ext uri="{FF2B5EF4-FFF2-40B4-BE49-F238E27FC236}">
-                <a16:creationId xmlns:a16="http://schemas.microsoft.com/office/drawing/2014/main" id="{D2A28AD0-49C6-4D0B-8FFB-24D45030D4C5}"/>
+                <a16:creationId xmlns:a16="http://schemas.microsoft.com/office/drawing/2014/main" id="{B7185667-2484-4984-8915-93F361F7FC0B}"/>
               </a:ext>
             </a:extLst>
           </p:cNvPr>
@@ -27311,7 +27311,7 @@
         </p:nvSpPr>
         <p:spPr>
           <a:xfrm>
-            <a:off x="0" y="5402474"/>
+            <a:off x="0" y="5402468"/>
             <a:ext cx="12192000" cy="1446550"/>
           </a:xfrm>
           <a:prstGeom prst="rect">
@@ -27479,7 +27479,7 @@
           <p:cNvPr id="4" name="TextBox 3">
             <a:extLst>
               <a:ext uri="{FF2B5EF4-FFF2-40B4-BE49-F238E27FC236}">
-                <a16:creationId xmlns:a16="http://schemas.microsoft.com/office/drawing/2014/main" id="{52170BDA-F7A6-4C2E-8E94-E42366110EC6}"/>
+                <a16:creationId xmlns:a16="http://schemas.microsoft.com/office/drawing/2014/main" id="{DBBEE4B7-ABA2-4B0C-8F85-57EFE7FDA73C}"/>
               </a:ext>
             </a:extLst>
           </p:cNvPr>
@@ -27488,7 +27488,7 @@
         </p:nvSpPr>
         <p:spPr>
           <a:xfrm>
-            <a:off x="0" y="5401922"/>
+            <a:off x="0" y="5401925"/>
             <a:ext cx="12192000" cy="1446550"/>
           </a:xfrm>
           <a:prstGeom prst="rect">
@@ -27664,7 +27664,7 @@
           <p:cNvPr id="4" name="TextBox 3">
             <a:extLst>
               <a:ext uri="{FF2B5EF4-FFF2-40B4-BE49-F238E27FC236}">
-                <a16:creationId xmlns:a16="http://schemas.microsoft.com/office/drawing/2014/main" id="{A62AE8EF-7AF6-4875-BBD9-79770F2ED6AD}"/>
+                <a16:creationId xmlns:a16="http://schemas.microsoft.com/office/drawing/2014/main" id="{86D094E1-CE53-47C4-8AC7-C1A0830EFEEC}"/>
               </a:ext>
             </a:extLst>
           </p:cNvPr>
@@ -27673,7 +27673,7 @@
         </p:nvSpPr>
         <p:spPr>
           <a:xfrm>
-            <a:off x="0" y="5402467"/>
+            <a:off x="0" y="5402473"/>
             <a:ext cx="12192000" cy="1446550"/>
           </a:xfrm>
           <a:prstGeom prst="rect">
@@ -27861,7 +27861,7 @@
           <p:cNvPr id="4" name="TextBox 3">
             <a:extLst>
               <a:ext uri="{FF2B5EF4-FFF2-40B4-BE49-F238E27FC236}">
-                <a16:creationId xmlns:a16="http://schemas.microsoft.com/office/drawing/2014/main" id="{81B4CD23-F675-4EC8-9469-8FEE7D96CACC}"/>
+                <a16:creationId xmlns:a16="http://schemas.microsoft.com/office/drawing/2014/main" id="{1251F4A0-9077-4104-A0A0-0D1FE8E30BE5}"/>
               </a:ext>
             </a:extLst>
           </p:cNvPr>
@@ -27870,8 +27870,8 @@
         </p:nvSpPr>
         <p:spPr>
           <a:xfrm>
-            <a:off x="0" y="5401920"/>
-            <a:ext cx="12192000" cy="1446550"/>
+            <a:off x="-1" y="5401917"/>
+            <a:ext cx="12191999" cy="1446550"/>
           </a:xfrm>
           <a:prstGeom prst="rect">
             <a:avLst/>
@@ -28042,7 +28042,7 @@
           <p:cNvPr id="4" name="TextBox 3">
             <a:extLst>
               <a:ext uri="{FF2B5EF4-FFF2-40B4-BE49-F238E27FC236}">
-                <a16:creationId xmlns:a16="http://schemas.microsoft.com/office/drawing/2014/main" id="{E0EE5ABE-CCCA-499D-9C85-EC0AC3D1E7F5}"/>
+                <a16:creationId xmlns:a16="http://schemas.microsoft.com/office/drawing/2014/main" id="{3C7E09A3-5B84-42C3-AAAC-72C201EC0793}"/>
               </a:ext>
             </a:extLst>
           </p:cNvPr>
@@ -28051,8 +28051,8 @@
         </p:nvSpPr>
         <p:spPr>
           <a:xfrm>
-            <a:off x="-1" y="5391840"/>
-            <a:ext cx="12191999" cy="1446550"/>
+            <a:off x="0" y="5402472"/>
+            <a:ext cx="12192000" cy="1446550"/>
           </a:xfrm>
           <a:prstGeom prst="rect">
             <a:avLst/>
@@ -28239,7 +28239,7 @@
           <p:cNvPr id="4" name="TextBox 3">
             <a:extLst>
               <a:ext uri="{FF2B5EF4-FFF2-40B4-BE49-F238E27FC236}">
-                <a16:creationId xmlns:a16="http://schemas.microsoft.com/office/drawing/2014/main" id="{326D7818-6DB7-4395-84AB-9658FBAD496A}"/>
+                <a16:creationId xmlns:a16="http://schemas.microsoft.com/office/drawing/2014/main" id="{9130D97C-B9EA-42E0-9A0C-CAE5C7F559BC}"/>
               </a:ext>
             </a:extLst>
           </p:cNvPr>
@@ -28290,7 +28290,7 @@
               <a:t>G</a:t>
             </a:r>
             <a:r>
-              <a:rPr lang="en-IN" dirty="0" err="1">
+              <a:rPr lang="en-IN" sz="4000" dirty="0" err="1">
                 <a:latin typeface="Tamil Bible" pitchFamily="2" charset="0"/>
               </a:rPr>
               <a:t>yp</a:t>
@@ -28416,7 +28416,7 @@
           <p:cNvPr id="4" name="TextBox 3">
             <a:extLst>
               <a:ext uri="{FF2B5EF4-FFF2-40B4-BE49-F238E27FC236}">
-                <a16:creationId xmlns:a16="http://schemas.microsoft.com/office/drawing/2014/main" id="{8A062D2F-0293-4D74-9F5E-29B8BBEFF2C8}"/>
+                <a16:creationId xmlns:a16="http://schemas.microsoft.com/office/drawing/2014/main" id="{00F295C3-303E-41CB-9599-AE6416F14AD6}"/>
               </a:ext>
             </a:extLst>
           </p:cNvPr>
@@ -28425,8 +28425,8 @@
         </p:nvSpPr>
         <p:spPr>
           <a:xfrm>
-            <a:off x="0" y="5402471"/>
-            <a:ext cx="12192000" cy="1446550"/>
+            <a:off x="10634" y="5402471"/>
+            <a:ext cx="12181366" cy="1446550"/>
           </a:xfrm>
           <a:prstGeom prst="rect">
             <a:avLst/>
@@ -28584,7 +28584,7 @@
           <p:cNvPr id="4" name="TextBox 3">
             <a:extLst>
               <a:ext uri="{FF2B5EF4-FFF2-40B4-BE49-F238E27FC236}">
-                <a16:creationId xmlns:a16="http://schemas.microsoft.com/office/drawing/2014/main" id="{E2C8B153-F76F-4CC2-88C0-71A9AF6170B0}"/>
+                <a16:creationId xmlns:a16="http://schemas.microsoft.com/office/drawing/2014/main" id="{7748AFF8-E36A-4140-9738-EFB274DCDC1E}"/>
               </a:ext>
             </a:extLst>
           </p:cNvPr>
@@ -28593,7 +28593,7 @@
         </p:nvSpPr>
         <p:spPr>
           <a:xfrm>
-            <a:off x="0" y="5401920"/>
+            <a:off x="0" y="5401922"/>
             <a:ext cx="12192000" cy="1446550"/>
           </a:xfrm>
           <a:prstGeom prst="rect">
@@ -28765,7 +28765,7 @@
           <p:cNvPr id="4" name="TextBox 3">
             <a:extLst>
               <a:ext uri="{FF2B5EF4-FFF2-40B4-BE49-F238E27FC236}">
-                <a16:creationId xmlns:a16="http://schemas.microsoft.com/office/drawing/2014/main" id="{368CF1A5-9385-44E3-ACD9-81A10539C36A}"/>
+                <a16:creationId xmlns:a16="http://schemas.microsoft.com/office/drawing/2014/main" id="{00B63E54-ACF9-4B19-9513-8315A6B6D948}"/>
               </a:ext>
             </a:extLst>
           </p:cNvPr>
@@ -28774,7 +28774,7 @@
         </p:nvSpPr>
         <p:spPr>
           <a:xfrm>
-            <a:off x="0" y="5402473"/>
+            <a:off x="0" y="5402467"/>
             <a:ext cx="12192000" cy="1446550"/>
           </a:xfrm>
           <a:prstGeom prst="rect">
@@ -28890,6 +28890,14 @@
 <file path=ppt/slides/slide8.xml><?xml version="1.0" encoding="utf-8"?>
 <p:sld xmlns:a="http://schemas.openxmlformats.org/drawingml/2006/main" xmlns:r="http://schemas.openxmlformats.org/officeDocument/2006/relationships" xmlns:p="http://schemas.openxmlformats.org/presentationml/2006/main">
   <p:cSld>
+    <p:bg>
+      <p:bgPr>
+        <a:solidFill>
+          <a:srgbClr val="00FF00"/>
+        </a:solidFill>
+        <a:effectLst/>
+      </p:bgPr>
+    </p:bg>
     <p:spTree>
       <p:nvGrpSpPr>
         <p:cNvPr id="1" name=""/>
@@ -28925,7 +28933,7 @@
             <a:avLst/>
           </a:prstGeom>
           <a:blipFill>
-            <a:blip r:embed="rId2"/>
+            <a:blip r:embed="rId3"/>
             <a:tile tx="0" ty="0" sx="100000" sy="100000" flip="none" algn="tl"/>
           </a:blipFill>
           <a:ln>
@@ -28962,7 +28970,7 @@
           <p:cNvPr id="4" name="TextBox 3">
             <a:extLst>
               <a:ext uri="{FF2B5EF4-FFF2-40B4-BE49-F238E27FC236}">
-                <a16:creationId xmlns:a16="http://schemas.microsoft.com/office/drawing/2014/main" id="{86B485BB-6491-4BD5-B7F3-4429A674C1E9}"/>
+                <a16:creationId xmlns:a16="http://schemas.microsoft.com/office/drawing/2014/main" id="{0DDB5AF3-1236-483F-AE4B-112B76FF7A49}"/>
               </a:ext>
             </a:extLst>
           </p:cNvPr>
@@ -28971,7 +28979,7 @@
         </p:nvSpPr>
         <p:spPr>
           <a:xfrm>
-            <a:off x="0" y="5401923"/>
+            <a:off x="0" y="5401919"/>
             <a:ext cx="12192000" cy="1446550"/>
           </a:xfrm>
           <a:prstGeom prst="rect">
@@ -29062,7 +29070,7 @@
     </p:extLst>
   </p:cSld>
   <p:clrMapOvr>
-    <a:masterClrMapping/>
+    <a:overrideClrMapping bg1="lt1" tx1="dk1" bg2="lt2" tx2="dk2" accent1="accent1" accent2="accent2" accent3="accent3" accent4="accent4" accent5="accent5" accent6="accent6" hlink="hlink" folHlink="folHlink"/>
   </p:clrMapOvr>
 </p:sld>
 </file>
@@ -29142,7 +29150,7 @@
           <p:cNvPr id="4" name="TextBox 3">
             <a:extLst>
               <a:ext uri="{FF2B5EF4-FFF2-40B4-BE49-F238E27FC236}">
-                <a16:creationId xmlns:a16="http://schemas.microsoft.com/office/drawing/2014/main" id="{8A105C33-6EE0-453E-88FD-3D0538D6E0A3}"/>
+                <a16:creationId xmlns:a16="http://schemas.microsoft.com/office/drawing/2014/main" id="{33E7FF1B-6DF3-4FE5-8247-8203E7231CB6}"/>
               </a:ext>
             </a:extLst>
           </p:cNvPr>
@@ -29151,7 +29159,7 @@
         </p:nvSpPr>
         <p:spPr>
           <a:xfrm>
-            <a:off x="0" y="5402473"/>
+            <a:off x="0" y="5402471"/>
             <a:ext cx="12192000" cy="1446550"/>
           </a:xfrm>
           <a:prstGeom prst="rect">
@@ -29528,4 +29536,47 @@
     </a:ext>
   </a:extLst>
 </a:theme>
+</file>
+
+<file path=ppt/theme/themeOverride1.xml><?xml version="1.0" encoding="utf-8"?>
+<a:themeOverride xmlns:a="http://schemas.openxmlformats.org/drawingml/2006/main">
+  <a:clrScheme name="Office">
+    <a:dk1>
+      <a:sysClr val="windowText" lastClr="000000"/>
+    </a:dk1>
+    <a:lt1>
+      <a:sysClr val="window" lastClr="FFFFFF"/>
+    </a:lt1>
+    <a:dk2>
+      <a:srgbClr val="44546A"/>
+    </a:dk2>
+    <a:lt2>
+      <a:srgbClr val="E7E6E6"/>
+    </a:lt2>
+    <a:accent1>
+      <a:srgbClr val="4472C4"/>
+    </a:accent1>
+    <a:accent2>
+      <a:srgbClr val="ED7D31"/>
+    </a:accent2>
+    <a:accent3>
+      <a:srgbClr val="A5A5A5"/>
+    </a:accent3>
+    <a:accent4>
+      <a:srgbClr val="FFC000"/>
+    </a:accent4>
+    <a:accent5>
+      <a:srgbClr val="5B9BD5"/>
+    </a:accent5>
+    <a:accent6>
+      <a:srgbClr val="70AD47"/>
+    </a:accent6>
+    <a:hlink>
+      <a:srgbClr val="0563C1"/>
+    </a:hlink>
+    <a:folHlink>
+      <a:srgbClr val="954F72"/>
+    </a:folHlink>
+  </a:clrScheme>
+</a:themeOverride>
 </file>